--- a/Reports/Report_7_Presentation.pptx
+++ b/Reports/Report_7_Presentation.pptx
@@ -161,6 +161,35 @@
     <p1510:client id="{4103B497-4660-4396-9636-919E2EB16BDB}" v="363" dt="2019-05-15T11:13:47.683"/>
   </p1510:revLst>
 </p1510:revInfo>
+</file>
+
+<file path=ppt/changesInfos/changesInfo1.xml><?xml version="1.0" encoding="utf-8"?>
+<pc:chgInfo xmlns:a="http://schemas.openxmlformats.org/drawingml/2006/main" xmlns:r="http://schemas.openxmlformats.org/officeDocument/2006/relationships" xmlns:ac="http://schemas.microsoft.com/office/drawing/2013/main/command" xmlns:pc="http://schemas.microsoft.com/office/powerpoint/2013/main/command">
+  <pc:docChgLst>
+    <pc:chgData name="김 민선" userId="dda5be8267c4f675" providerId="LiveId" clId="{4103B497-4660-4396-9636-919E2EB16BDB}"/>
+    <pc:docChg chg="modSld">
+      <pc:chgData name="김 민선" userId="dda5be8267c4f675" providerId="LiveId" clId="{4103B497-4660-4396-9636-919E2EB16BDB}" dt="2019-05-15T14:31:33.889" v="2" actId="20577"/>
+      <pc:docMkLst>
+        <pc:docMk/>
+      </pc:docMkLst>
+      <pc:sldChg chg="modSp">
+        <pc:chgData name="김 민선" userId="dda5be8267c4f675" providerId="LiveId" clId="{4103B497-4660-4396-9636-919E2EB16BDB}" dt="2019-05-15T14:31:33.889" v="2" actId="20577"/>
+        <pc:sldMkLst>
+          <pc:docMk/>
+          <pc:sldMk cId="230299310" sldId="300"/>
+        </pc:sldMkLst>
+        <pc:spChg chg="mod">
+          <ac:chgData name="김 민선" userId="dda5be8267c4f675" providerId="LiveId" clId="{4103B497-4660-4396-9636-919E2EB16BDB}" dt="2019-05-15T14:31:33.889" v="2" actId="20577"/>
+          <ac:spMkLst>
+            <pc:docMk/>
+            <pc:sldMk cId="230299310" sldId="300"/>
+            <ac:spMk id="10" creationId="{15D0C42A-D416-480A-933B-7129F9F63264}"/>
+          </ac:spMkLst>
+        </pc:spChg>
+      </pc:sldChg>
+    </pc:docChg>
+  </pc:docChgLst>
+</pc:chgInfo>
 </file>
 
 <file path=ppt/notesMasters/notesMaster1.xml><?xml version="1.0" encoding="utf-8"?>
@@ -7898,7 +7927,7 @@
                 <a:latin typeface="08서울남산체 EB" panose="02020603020101020101" pitchFamily="18" charset="-127"/>
                 <a:ea typeface="08서울남산체 EB" panose="02020603020101020101" pitchFamily="18" charset="-127"/>
               </a:rPr>
-              <a:t>SCIPT</a:t>
+              <a:t>SCRIPT</a:t>
             </a:r>
             <a:r>
               <a:rPr lang="ko-KR" altLang="en-US" dirty="0">

--- a/Reports/Report_7_Presentation.pptx
+++ b/Reports/Report_7_Presentation.pptx
@@ -274,7 +274,7 @@
           <a:p>
             <a:fld id="{2961D8E9-A9FB-4880-8538-C32DA8A3C61B}" type="datetimeFigureOut">
               <a:rPr lang="en-US" smtClean="0"/>
-              <a:t>5/15/2019</a:t>
+              <a:t>5/16/2019</a:t>
             </a:fld>
             <a:endParaRPr lang="en-US"/>
           </a:p>
@@ -1873,7 +1873,7 @@
           <a:p>
             <a:fld id="{67FBEA84-F620-4EB2-9CC9-CC8C34B3F100}" type="datetimeFigureOut">
               <a:rPr lang="ko-KR" altLang="en-US" smtClean="0"/>
-              <a:t>2019-05-15</a:t>
+              <a:t>2019-05-16</a:t>
             </a:fld>
             <a:endParaRPr lang="ko-KR" altLang="en-US"/>
           </a:p>
@@ -2071,7 +2071,7 @@
           <a:p>
             <a:fld id="{67FBEA84-F620-4EB2-9CC9-CC8C34B3F100}" type="datetimeFigureOut">
               <a:rPr lang="ko-KR" altLang="en-US" smtClean="0"/>
-              <a:t>2019-05-15</a:t>
+              <a:t>2019-05-16</a:t>
             </a:fld>
             <a:endParaRPr lang="ko-KR" altLang="en-US"/>
           </a:p>
@@ -2279,7 +2279,7 @@
           <a:p>
             <a:fld id="{67FBEA84-F620-4EB2-9CC9-CC8C34B3F100}" type="datetimeFigureOut">
               <a:rPr lang="ko-KR" altLang="en-US" smtClean="0"/>
-              <a:t>2019-05-15</a:t>
+              <a:t>2019-05-16</a:t>
             </a:fld>
             <a:endParaRPr lang="ko-KR" altLang="en-US"/>
           </a:p>
@@ -2477,7 +2477,7 @@
           <a:p>
             <a:fld id="{67FBEA84-F620-4EB2-9CC9-CC8C34B3F100}" type="datetimeFigureOut">
               <a:rPr lang="ko-KR" altLang="en-US" smtClean="0"/>
-              <a:t>2019-05-15</a:t>
+              <a:t>2019-05-16</a:t>
             </a:fld>
             <a:endParaRPr lang="ko-KR" altLang="en-US"/>
           </a:p>
@@ -2752,7 +2752,7 @@
           <a:p>
             <a:fld id="{67FBEA84-F620-4EB2-9CC9-CC8C34B3F100}" type="datetimeFigureOut">
               <a:rPr lang="ko-KR" altLang="en-US" smtClean="0"/>
-              <a:t>2019-05-15</a:t>
+              <a:t>2019-05-16</a:t>
             </a:fld>
             <a:endParaRPr lang="ko-KR" altLang="en-US"/>
           </a:p>
@@ -3017,7 +3017,7 @@
           <a:p>
             <a:fld id="{67FBEA84-F620-4EB2-9CC9-CC8C34B3F100}" type="datetimeFigureOut">
               <a:rPr lang="ko-KR" altLang="en-US" smtClean="0"/>
-              <a:t>2019-05-15</a:t>
+              <a:t>2019-05-16</a:t>
             </a:fld>
             <a:endParaRPr lang="ko-KR" altLang="en-US"/>
           </a:p>
@@ -3429,7 +3429,7 @@
           <a:p>
             <a:fld id="{67FBEA84-F620-4EB2-9CC9-CC8C34B3F100}" type="datetimeFigureOut">
               <a:rPr lang="ko-KR" altLang="en-US" smtClean="0"/>
-              <a:t>2019-05-15</a:t>
+              <a:t>2019-05-16</a:t>
             </a:fld>
             <a:endParaRPr lang="ko-KR" altLang="en-US"/>
           </a:p>
@@ -3570,7 +3570,7 @@
           <a:p>
             <a:fld id="{67FBEA84-F620-4EB2-9CC9-CC8C34B3F100}" type="datetimeFigureOut">
               <a:rPr lang="ko-KR" altLang="en-US" smtClean="0"/>
-              <a:t>2019-05-15</a:t>
+              <a:t>2019-05-16</a:t>
             </a:fld>
             <a:endParaRPr lang="ko-KR" altLang="en-US"/>
           </a:p>
@@ -3683,7 +3683,7 @@
           <a:p>
             <a:fld id="{67FBEA84-F620-4EB2-9CC9-CC8C34B3F100}" type="datetimeFigureOut">
               <a:rPr lang="ko-KR" altLang="en-US" smtClean="0"/>
-              <a:t>2019-05-15</a:t>
+              <a:t>2019-05-16</a:t>
             </a:fld>
             <a:endParaRPr lang="ko-KR" altLang="en-US"/>
           </a:p>
@@ -3994,7 +3994,7 @@
           <a:p>
             <a:fld id="{67FBEA84-F620-4EB2-9CC9-CC8C34B3F100}" type="datetimeFigureOut">
               <a:rPr lang="ko-KR" altLang="en-US" smtClean="0"/>
-              <a:t>2019-05-15</a:t>
+              <a:t>2019-05-16</a:t>
             </a:fld>
             <a:endParaRPr lang="ko-KR" altLang="en-US"/>
           </a:p>
@@ -4282,7 +4282,7 @@
           <a:p>
             <a:fld id="{67FBEA84-F620-4EB2-9CC9-CC8C34B3F100}" type="datetimeFigureOut">
               <a:rPr lang="ko-KR" altLang="en-US" smtClean="0"/>
-              <a:t>2019-05-15</a:t>
+              <a:t>2019-05-16</a:t>
             </a:fld>
             <a:endParaRPr lang="ko-KR" altLang="en-US"/>
           </a:p>
@@ -4541,7 +4541,7 @@
           <a:p>
             <a:fld id="{67FBEA84-F620-4EB2-9CC9-CC8C34B3F100}" type="datetimeFigureOut">
               <a:rPr lang="ko-KR" altLang="en-US" smtClean="0"/>
-              <a:t>2019-05-15</a:t>
+              <a:t>2019-05-16</a:t>
             </a:fld>
             <a:endParaRPr lang="ko-KR" altLang="en-US"/>
           </a:p>
@@ -7774,7 +7774,7 @@
                 <a:latin typeface="08서울남산체 EB" panose="02020603020101020101" pitchFamily="18" charset="-127"/>
                 <a:ea typeface="08서울남산체 EB" panose="02020603020101020101" pitchFamily="18" charset="-127"/>
               </a:rPr>
-              <a:t>컵케이크 타워 </a:t>
+              <a:t>컵케이크 타워 배치 </a:t>
             </a:r>
             <a:r>
               <a:rPr lang="ko-KR" altLang="en-US" sz="2000" dirty="0" err="1">
